--- a/template.pptx
+++ b/template.pptx
@@ -211,7 +211,7 @@
           <a:p>
             <a:fld id="{0F9C1CCF-B725-44A7-AA57-5E433BD85C9F}" type="datetimeFigureOut">
               <a:rPr lang="en-US" smtClean="0"/>
-              <a:t>1/2/22</a:t>
+              <a:t>11/14/24</a:t>
             </a:fld>
             <a:endParaRPr lang="en-US"/>
           </a:p>
@@ -864,7 +864,7 @@
           <a:p>
             <a:fld id="{241EB5C9-1307-BA42-ABA2-0BC069CD8E7F}" type="datetimeFigureOut">
               <a:rPr lang="en-US" smtClean="0"/>
-              <a:t>1/2/22</a:t>
+              <a:t>11/14/24</a:t>
             </a:fld>
             <a:endParaRPr lang="en-US"/>
           </a:p>
@@ -1032,7 +1032,7 @@
           <a:p>
             <a:fld id="{241EB5C9-1307-BA42-ABA2-0BC069CD8E7F}" type="datetimeFigureOut">
               <a:rPr lang="en-US" smtClean="0"/>
-              <a:t>1/2/22</a:t>
+              <a:t>11/14/24</a:t>
             </a:fld>
             <a:endParaRPr lang="en-US"/>
           </a:p>
@@ -1210,7 +1210,7 @@
           <a:p>
             <a:fld id="{241EB5C9-1307-BA42-ABA2-0BC069CD8E7F}" type="datetimeFigureOut">
               <a:rPr lang="en-US" smtClean="0"/>
-              <a:t>1/2/22</a:t>
+              <a:t>11/14/24</a:t>
             </a:fld>
             <a:endParaRPr lang="en-US"/>
           </a:p>
@@ -1262,6 +1262,315 @@
     <p:extLst>
       <p:ext uri="{BB962C8B-B14F-4D97-AF65-F5344CB8AC3E}">
         <p14:creationId xmlns:p14="http://schemas.microsoft.com/office/powerpoint/2010/main" val="2581529045"/>
+      </p:ext>
+    </p:extLst>
+  </p:cSld>
+  <p:clrMapOvr>
+    <a:masterClrMapping/>
+  </p:clrMapOvr>
+</p:sldLayout>
+</file>
+
+<file path=ppt/slideLayouts/slideLayout12.xml><?xml version="1.0" encoding="utf-8"?>
+<p:sldLayout xmlns:a="http://schemas.openxmlformats.org/drawingml/2006/main" xmlns:r="http://schemas.openxmlformats.org/officeDocument/2006/relationships" xmlns:p="http://schemas.openxmlformats.org/presentationml/2006/main" type="vertTitleAndTx" preserve="1">
+  <p:cSld name="1_Vertical Title and Text">
+    <p:spTree>
+      <p:nvGrpSpPr>
+        <p:cNvPr id="1" name=""/>
+        <p:cNvGrpSpPr/>
+        <p:nvPr/>
+      </p:nvGrpSpPr>
+      <p:grpSpPr>
+        <a:xfrm>
+          <a:off x="0" y="0"/>
+          <a:ext cx="0" cy="0"/>
+          <a:chOff x="0" y="0"/>
+          <a:chExt cx="0" cy="0"/>
+        </a:xfrm>
+      </p:grpSpPr>
+      <p:sp>
+        <p:nvSpPr>
+          <p:cNvPr id="2" name="Vertical Title 1"/>
+          <p:cNvSpPr>
+            <a:spLocks noGrp="1"/>
+          </p:cNvSpPr>
+          <p:nvPr>
+            <p:ph type="title" orient="vert"/>
+          </p:nvPr>
+        </p:nvSpPr>
+        <p:spPr>
+          <a:xfrm>
+            <a:off x="6629400" y="205979"/>
+            <a:ext cx="2057400" cy="4388644"/>
+          </a:xfrm>
+        </p:spPr>
+        <p:txBody>
+          <a:bodyPr vert="eaVert"/>
+          <a:lstStyle/>
+          <a:p>
+            <a:r>
+              <a:rPr lang="en-US"/>
+              <a:t>Click to edit Master title style</a:t>
+            </a:r>
+          </a:p>
+        </p:txBody>
+      </p:sp>
+      <p:sp>
+        <p:nvSpPr>
+          <p:cNvPr id="3" name="Vertical Text Placeholder 2"/>
+          <p:cNvSpPr>
+            <a:spLocks noGrp="1"/>
+          </p:cNvSpPr>
+          <p:nvPr>
+            <p:ph type="body" orient="vert" idx="1"/>
+          </p:nvPr>
+        </p:nvSpPr>
+        <p:spPr>
+          <a:xfrm>
+            <a:off x="457200" y="205979"/>
+            <a:ext cx="6019800" cy="4388644"/>
+          </a:xfrm>
+        </p:spPr>
+        <p:txBody>
+          <a:bodyPr vert="eaVert"/>
+          <a:lstStyle/>
+          <a:p>
+            <a:pPr lvl="0"/>
+            <a:r>
+              <a:rPr lang="en-US"/>
+              <a:t>Click to edit Master text styles</a:t>
+            </a:r>
+          </a:p>
+          <a:p>
+            <a:pPr lvl="1"/>
+            <a:r>
+              <a:rPr lang="en-US"/>
+              <a:t>Second level</a:t>
+            </a:r>
+          </a:p>
+          <a:p>
+            <a:pPr lvl="2"/>
+            <a:r>
+              <a:rPr lang="en-US"/>
+              <a:t>Third level</a:t>
+            </a:r>
+          </a:p>
+          <a:p>
+            <a:pPr lvl="3"/>
+            <a:r>
+              <a:rPr lang="en-US"/>
+              <a:t>Fourth level</a:t>
+            </a:r>
+          </a:p>
+          <a:p>
+            <a:pPr lvl="4"/>
+            <a:r>
+              <a:rPr lang="en-US"/>
+              <a:t>Fifth level</a:t>
+            </a:r>
+          </a:p>
+        </p:txBody>
+      </p:sp>
+      <p:sp>
+        <p:nvSpPr>
+          <p:cNvPr id="4" name="Date Placeholder 3"/>
+          <p:cNvSpPr>
+            <a:spLocks noGrp="1"/>
+          </p:cNvSpPr>
+          <p:nvPr>
+            <p:ph type="dt" sz="half" idx="10"/>
+          </p:nvPr>
+        </p:nvSpPr>
+        <p:spPr/>
+        <p:txBody>
+          <a:bodyPr/>
+          <a:lstStyle/>
+          <a:p>
+            <a:fld id="{241EB5C9-1307-BA42-ABA2-0BC069CD8E7F}" type="datetimeFigureOut">
+              <a:rPr lang="en-US" smtClean="0"/>
+              <a:t>11/14/24</a:t>
+            </a:fld>
+            <a:endParaRPr lang="en-US"/>
+          </a:p>
+        </p:txBody>
+      </p:sp>
+      <p:sp>
+        <p:nvSpPr>
+          <p:cNvPr id="5" name="Footer Placeholder 4"/>
+          <p:cNvSpPr>
+            <a:spLocks noGrp="1"/>
+          </p:cNvSpPr>
+          <p:nvPr>
+            <p:ph type="ftr" sz="quarter" idx="11"/>
+          </p:nvPr>
+        </p:nvSpPr>
+        <p:spPr/>
+        <p:txBody>
+          <a:bodyPr/>
+          <a:lstStyle/>
+          <a:p>
+            <a:endParaRPr lang="en-US"/>
+          </a:p>
+        </p:txBody>
+      </p:sp>
+      <p:sp>
+        <p:nvSpPr>
+          <p:cNvPr id="6" name="Slide Number Placeholder 5"/>
+          <p:cNvSpPr>
+            <a:spLocks noGrp="1"/>
+          </p:cNvSpPr>
+          <p:nvPr>
+            <p:ph type="sldNum" sz="quarter" idx="12"/>
+          </p:nvPr>
+        </p:nvSpPr>
+        <p:spPr/>
+        <p:txBody>
+          <a:bodyPr/>
+          <a:lstStyle/>
+          <a:p>
+            <a:fld id="{C5EF2332-01BF-834F-8236-50238282D533}" type="slidenum">
+              <a:rPr lang="en-US" smtClean="0"/>
+              <a:t>‹#›</a:t>
+            </a:fld>
+            <a:endParaRPr lang="en-US"/>
+          </a:p>
+        </p:txBody>
+      </p:sp>
+      <p:graphicFrame>
+        <p:nvGraphicFramePr>
+          <p:cNvPr id="7" name="Table 6">
+            <a:extLst>
+              <a:ext uri="{FF2B5EF4-FFF2-40B4-BE49-F238E27FC236}">
+                <a16:creationId xmlns:a16="http://schemas.microsoft.com/office/drawing/2014/main" id="{40E5F148-B214-9ED5-96D2-C8C952B333EC}"/>
+              </a:ext>
+            </a:extLst>
+          </p:cNvPr>
+          <p:cNvGraphicFramePr>
+            <a:graphicFrameLocks noGrp="1"/>
+          </p:cNvGraphicFramePr>
+          <p:nvPr userDrawn="1">
+            <p:extLst>
+              <p:ext uri="{D42A27DB-BD31-4B8C-83A1-F6EECF244321}">
+                <p14:modId xmlns:p14="http://schemas.microsoft.com/office/powerpoint/2010/main" val="1121345573"/>
+              </p:ext>
+            </p:extLst>
+          </p:nvPr>
+        </p:nvGraphicFramePr>
+        <p:xfrm>
+          <a:off x="1524000" y="539750"/>
+          <a:ext cx="6096000" cy="914400"/>
+        </p:xfrm>
+        <a:graphic>
+          <a:graphicData uri="http://schemas.openxmlformats.org/drawingml/2006/table">
+            <a:tbl>
+              <a:tblPr firstRow="1" bandRow="1">
+                <a:tableStyleId>{69012ECD-51FC-41F1-AA8D-1B2483CD663E}</a:tableStyleId>
+              </a:tblPr>
+              <a:tblGrid>
+                <a:gridCol w="2032000">
+                  <a:extLst>
+                    <a:ext uri="{9D8B030D-6E8A-4147-A177-3AD203B41FA5}">
+                      <a16:colId xmlns:a16="http://schemas.microsoft.com/office/drawing/2014/main" val="271011269"/>
+                    </a:ext>
+                  </a:extLst>
+                </a:gridCol>
+                <a:gridCol w="2032000">
+                  <a:extLst>
+                    <a:ext uri="{9D8B030D-6E8A-4147-A177-3AD203B41FA5}">
+                      <a16:colId xmlns:a16="http://schemas.microsoft.com/office/drawing/2014/main" val="2080703046"/>
+                    </a:ext>
+                  </a:extLst>
+                </a:gridCol>
+                <a:gridCol w="2032000">
+                  <a:extLst>
+                    <a:ext uri="{9D8B030D-6E8A-4147-A177-3AD203B41FA5}">
+                      <a16:colId xmlns:a16="http://schemas.microsoft.com/office/drawing/2014/main" val="1138284043"/>
+                    </a:ext>
+                  </a:extLst>
+                </a:gridCol>
+              </a:tblGrid>
+              <a:tr h="370840">
+                <a:tc>
+                  <a:txBody>
+                    <a:bodyPr/>
+                    <a:lstStyle/>
+                    <a:p>
+                      <a:endParaRPr lang="en-US" sz="2400" dirty="0"/>
+                    </a:p>
+                  </a:txBody>
+                  <a:tcPr/>
+                </a:tc>
+                <a:tc>
+                  <a:txBody>
+                    <a:bodyPr/>
+                    <a:lstStyle/>
+                    <a:p>
+                      <a:endParaRPr lang="en-US" sz="2400" dirty="0"/>
+                    </a:p>
+                  </a:txBody>
+                  <a:tcPr/>
+                </a:tc>
+                <a:tc>
+                  <a:txBody>
+                    <a:bodyPr/>
+                    <a:lstStyle/>
+                    <a:p>
+                      <a:endParaRPr lang="en-US" sz="2400"/>
+                    </a:p>
+                  </a:txBody>
+                  <a:tcPr/>
+                </a:tc>
+                <a:extLst>
+                  <a:ext uri="{0D108BD9-81ED-4DB2-BD59-A6C34878D82A}">
+                    <a16:rowId xmlns:a16="http://schemas.microsoft.com/office/drawing/2014/main" val="769229322"/>
+                  </a:ext>
+                </a:extLst>
+              </a:tr>
+              <a:tr h="370840">
+                <a:tc>
+                  <a:txBody>
+                    <a:bodyPr/>
+                    <a:lstStyle/>
+                    <a:p>
+                      <a:endParaRPr lang="en-US" sz="2400"/>
+                    </a:p>
+                  </a:txBody>
+                  <a:tcPr/>
+                </a:tc>
+                <a:tc>
+                  <a:txBody>
+                    <a:bodyPr/>
+                    <a:lstStyle/>
+                    <a:p>
+                      <a:endParaRPr lang="en-US" sz="2400" dirty="0"/>
+                    </a:p>
+                  </a:txBody>
+                  <a:tcPr/>
+                </a:tc>
+                <a:tc>
+                  <a:txBody>
+                    <a:bodyPr/>
+                    <a:lstStyle/>
+                    <a:p>
+                      <a:endParaRPr lang="en-US" sz="2400" dirty="0"/>
+                    </a:p>
+                  </a:txBody>
+                  <a:tcPr/>
+                </a:tc>
+                <a:extLst>
+                  <a:ext uri="{0D108BD9-81ED-4DB2-BD59-A6C34878D82A}">
+                    <a16:rowId xmlns:a16="http://schemas.microsoft.com/office/drawing/2014/main" val="184196425"/>
+                  </a:ext>
+                </a:extLst>
+              </a:tr>
+            </a:tbl>
+          </a:graphicData>
+        </a:graphic>
+      </p:graphicFrame>
+    </p:spTree>
+    <p:extLst>
+      <p:ext uri="{BB962C8B-B14F-4D97-AF65-F5344CB8AC3E}">
+        <p14:creationId xmlns:p14="http://schemas.microsoft.com/office/powerpoint/2010/main" val="2939788966"/>
       </p:ext>
     </p:extLst>
   </p:cSld>
@@ -1323,39 +1632,49 @@
         <p:spPr/>
         <p:txBody>
           <a:bodyPr/>
-          <a:lstStyle/>
+          <a:lstStyle>
+            <a:lvl1pPr>
+              <a:defRPr sz="2800"/>
+            </a:lvl1pPr>
+            <a:lvl2pPr>
+              <a:defRPr sz="2800"/>
+            </a:lvl2pPr>
+            <a:lvl3pPr>
+              <a:defRPr sz="2400"/>
+            </a:lvl3pPr>
+          </a:lstStyle>
           <a:p>
             <a:pPr lvl="0"/>
             <a:r>
-              <a:rPr lang="en-US"/>
+              <a:rPr lang="en-US" dirty="0"/>
               <a:t>Click to edit Master text styles</a:t>
             </a:r>
           </a:p>
           <a:p>
             <a:pPr lvl="1"/>
             <a:r>
-              <a:rPr lang="en-US"/>
+              <a:rPr lang="en-US" dirty="0"/>
               <a:t>Second level</a:t>
             </a:r>
           </a:p>
           <a:p>
             <a:pPr lvl="2"/>
             <a:r>
-              <a:rPr lang="en-US"/>
+              <a:rPr lang="en-US" dirty="0"/>
               <a:t>Third level</a:t>
             </a:r>
           </a:p>
           <a:p>
             <a:pPr lvl="3"/>
             <a:r>
-              <a:rPr lang="en-US"/>
+              <a:rPr lang="en-US" dirty="0"/>
               <a:t>Fourth level</a:t>
             </a:r>
           </a:p>
           <a:p>
             <a:pPr lvl="4"/>
             <a:r>
-              <a:rPr lang="en-US"/>
+              <a:rPr lang="en-US" dirty="0"/>
               <a:t>Fifth level</a:t>
             </a:r>
           </a:p>
@@ -1378,7 +1697,7 @@
           <a:p>
             <a:fld id="{241EB5C9-1307-BA42-ABA2-0BC069CD8E7F}" type="datetimeFigureOut">
               <a:rPr lang="en-US" smtClean="0"/>
-              <a:t>1/2/22</a:t>
+              <a:t>11/14/24</a:t>
             </a:fld>
             <a:endParaRPr lang="en-US"/>
           </a:p>
@@ -1436,6 +1755,22 @@
   <p:clrMapOvr>
     <a:masterClrMapping/>
   </p:clrMapOvr>
+  <p:extLst>
+    <p:ext uri="{DCECCB84-F9BA-43D5-87BE-67443E8EF086}">
+      <p15:sldGuideLst xmlns:p15="http://schemas.microsoft.com/office/powerpoint/2012/main">
+        <p15:guide id="1" orient="horz" pos="1620" userDrawn="1">
+          <p15:clr>
+            <a:srgbClr val="FBAE40"/>
+          </p15:clr>
+        </p15:guide>
+        <p15:guide id="2" pos="2880" userDrawn="1">
+          <p15:clr>
+            <a:srgbClr val="FBAE40"/>
+          </p15:clr>
+        </p15:guide>
+      </p15:sldGuideLst>
+    </p:ext>
+  </p:extLst>
 </p:sldLayout>
 </file>
 
@@ -1623,7 +1958,7 @@
           <a:p>
             <a:fld id="{241EB5C9-1307-BA42-ABA2-0BC069CD8E7F}" type="datetimeFigureOut">
               <a:rPr lang="en-US" smtClean="0"/>
-              <a:t>1/2/22</a:t>
+              <a:t>11/14/24</a:t>
             </a:fld>
             <a:endParaRPr lang="en-US"/>
           </a:p>
@@ -1743,7 +2078,7 @@
           <a:bodyPr/>
           <a:lstStyle>
             <a:lvl1pPr>
-              <a:defRPr sz="2100"/>
+              <a:defRPr sz="2400"/>
             </a:lvl1pPr>
             <a:lvl2pPr>
               <a:defRPr sz="1800"/>
@@ -1773,35 +2108,35 @@
           <a:p>
             <a:pPr lvl="0"/>
             <a:r>
-              <a:rPr lang="en-US"/>
+              <a:rPr lang="en-US" dirty="0"/>
               <a:t>Click to edit Master text styles</a:t>
             </a:r>
           </a:p>
           <a:p>
             <a:pPr lvl="1"/>
             <a:r>
-              <a:rPr lang="en-US"/>
+              <a:rPr lang="en-US" dirty="0"/>
               <a:t>Second level</a:t>
             </a:r>
           </a:p>
           <a:p>
             <a:pPr lvl="2"/>
             <a:r>
-              <a:rPr lang="en-US"/>
+              <a:rPr lang="en-US" dirty="0"/>
               <a:t>Third level</a:t>
             </a:r>
           </a:p>
           <a:p>
             <a:pPr lvl="3"/>
             <a:r>
-              <a:rPr lang="en-US"/>
+              <a:rPr lang="en-US" dirty="0"/>
               <a:t>Fourth level</a:t>
             </a:r>
           </a:p>
           <a:p>
             <a:pPr lvl="4"/>
             <a:r>
-              <a:rPr lang="en-US"/>
+              <a:rPr lang="en-US" dirty="0"/>
               <a:t>Fifth level</a:t>
             </a:r>
           </a:p>
@@ -1827,7 +2162,7 @@
           <a:bodyPr/>
           <a:lstStyle>
             <a:lvl1pPr>
-              <a:defRPr sz="2100"/>
+              <a:defRPr sz="2400"/>
             </a:lvl1pPr>
             <a:lvl2pPr>
               <a:defRPr sz="1800"/>
@@ -1857,35 +2192,35 @@
           <a:p>
             <a:pPr lvl="0"/>
             <a:r>
-              <a:rPr lang="en-US"/>
+              <a:rPr lang="en-US" dirty="0"/>
               <a:t>Click to edit Master text styles</a:t>
             </a:r>
           </a:p>
           <a:p>
             <a:pPr lvl="1"/>
             <a:r>
-              <a:rPr lang="en-US"/>
+              <a:rPr lang="en-US" dirty="0"/>
               <a:t>Second level</a:t>
             </a:r>
           </a:p>
           <a:p>
             <a:pPr lvl="2"/>
             <a:r>
-              <a:rPr lang="en-US"/>
+              <a:rPr lang="en-US" dirty="0"/>
               <a:t>Third level</a:t>
             </a:r>
           </a:p>
           <a:p>
             <a:pPr lvl="3"/>
             <a:r>
-              <a:rPr lang="en-US"/>
+              <a:rPr lang="en-US" dirty="0"/>
               <a:t>Fourth level</a:t>
             </a:r>
           </a:p>
           <a:p>
             <a:pPr lvl="4"/>
             <a:r>
-              <a:rPr lang="en-US"/>
+              <a:rPr lang="en-US" dirty="0"/>
               <a:t>Fifth level</a:t>
             </a:r>
           </a:p>
@@ -1908,7 +2243,7 @@
           <a:p>
             <a:fld id="{241EB5C9-1307-BA42-ABA2-0BC069CD8E7F}" type="datetimeFigureOut">
               <a:rPr lang="en-US" smtClean="0"/>
-              <a:t>1/2/22</a:t>
+              <a:t>11/14/24</a:t>
             </a:fld>
             <a:endParaRPr lang="en-US"/>
           </a:p>
@@ -2327,7 +2662,7 @@
           <a:p>
             <a:fld id="{241EB5C9-1307-BA42-ABA2-0BC069CD8E7F}" type="datetimeFigureOut">
               <a:rPr lang="en-US" smtClean="0"/>
-              <a:t>1/2/22</a:t>
+              <a:t>11/14/24</a:t>
             </a:fld>
             <a:endParaRPr lang="en-US"/>
           </a:p>
@@ -2444,7 +2779,7 @@
           <a:p>
             <a:fld id="{241EB5C9-1307-BA42-ABA2-0BC069CD8E7F}" type="datetimeFigureOut">
               <a:rPr lang="en-US" smtClean="0"/>
-              <a:t>1/2/22</a:t>
+              <a:t>11/14/24</a:t>
             </a:fld>
             <a:endParaRPr lang="en-US"/>
           </a:p>
@@ -2539,7 +2874,7 @@
           <a:p>
             <a:fld id="{241EB5C9-1307-BA42-ABA2-0BC069CD8E7F}" type="datetimeFigureOut">
               <a:rPr lang="en-US" smtClean="0"/>
-              <a:t>1/2/22</a:t>
+              <a:t>11/14/24</a:t>
             </a:fld>
             <a:endParaRPr lang="en-US"/>
           </a:p>
@@ -2814,7 +3149,7 @@
           <a:p>
             <a:fld id="{241EB5C9-1307-BA42-ABA2-0BC069CD8E7F}" type="datetimeFigureOut">
               <a:rPr lang="en-US" smtClean="0"/>
-              <a:t>1/2/22</a:t>
+              <a:t>11/14/24</a:t>
             </a:fld>
             <a:endParaRPr lang="en-US"/>
           </a:p>
@@ -3066,7 +3401,7 @@
           <a:p>
             <a:fld id="{241EB5C9-1307-BA42-ABA2-0BC069CD8E7F}" type="datetimeFigureOut">
               <a:rPr lang="en-US" smtClean="0"/>
-              <a:t>1/2/22</a:t>
+              <a:t>11/14/24</a:t>
             </a:fld>
             <a:endParaRPr lang="en-US"/>
           </a:p>
@@ -3277,7 +3612,7 @@
           <a:p>
             <a:fld id="{241EB5C9-1307-BA42-ABA2-0BC069CD8E7F}" type="datetimeFigureOut">
               <a:rPr lang="en-US" smtClean="0"/>
-              <a:t>1/2/22</a:t>
+              <a:t>11/14/24</a:t>
             </a:fld>
             <a:endParaRPr lang="en-US"/>
           </a:p>
@@ -3381,6 +3716,7 @@
     <p:sldLayoutId id="2147483657" r:id="rId9"/>
     <p:sldLayoutId id="2147483658" r:id="rId10"/>
     <p:sldLayoutId id="2147483659" r:id="rId11"/>
+    <p:sldLayoutId id="2147483660" r:id="rId12"/>
   </p:sldLayoutIdLst>
   <p:txStyles>
     <p:titleStyle>
@@ -3766,14 +4102,7 @@
             <a:pPr marL="0" indent="0">
               <a:buNone/>
             </a:pPr>
-            <a:r>
-              <a:rPr lang="en-US" dirty="0"/>
-              <a:t>Hello</a:t>
-            </a:r>
-            <a:r>
-              <a:rPr lang="en-US"/>
-              <a:t>, world.</a:t>
-            </a:r>
+            <a:endParaRPr lang="en-US" dirty="0"/>
           </a:p>
         </p:txBody>
       </p:sp>
@@ -3840,6 +4169,13 @@
           </p:nvPr>
         </p:nvSpPr>
         <p:spPr/>
+        <p:txBody>
+          <a:bodyPr/>
+          <a:lstStyle/>
+          <a:p>
+            <a:endParaRPr lang="en-US"/>
+          </a:p>
+        </p:txBody>
       </p:sp>
     </p:spTree>
     <p:extLst>

--- a/template.pptx
+++ b/template.pptx
@@ -211,7 +211,7 @@
           <a:p>
             <a:fld id="{0F9C1CCF-B725-44A7-AA57-5E433BD85C9F}" type="datetimeFigureOut">
               <a:rPr lang="en-US" smtClean="0"/>
-              <a:t>11/14/24</a:t>
+              <a:t>1/8/25</a:t>
             </a:fld>
             <a:endParaRPr lang="en-US"/>
           </a:p>
@@ -864,7 +864,7 @@
           <a:p>
             <a:fld id="{241EB5C9-1307-BA42-ABA2-0BC069CD8E7F}" type="datetimeFigureOut">
               <a:rPr lang="en-US" smtClean="0"/>
-              <a:t>11/14/24</a:t>
+              <a:t>1/8/25</a:t>
             </a:fld>
             <a:endParaRPr lang="en-US"/>
           </a:p>
@@ -1032,7 +1032,7 @@
           <a:p>
             <a:fld id="{241EB5C9-1307-BA42-ABA2-0BC069CD8E7F}" type="datetimeFigureOut">
               <a:rPr lang="en-US" smtClean="0"/>
-              <a:t>11/14/24</a:t>
+              <a:t>1/8/25</a:t>
             </a:fld>
             <a:endParaRPr lang="en-US"/>
           </a:p>
@@ -1210,7 +1210,7 @@
           <a:p>
             <a:fld id="{241EB5C9-1307-BA42-ABA2-0BC069CD8E7F}" type="datetimeFigureOut">
               <a:rPr lang="en-US" smtClean="0"/>
-              <a:t>11/14/24</a:t>
+              <a:t>1/8/25</a:t>
             </a:fld>
             <a:endParaRPr lang="en-US"/>
           </a:p>
@@ -1388,7 +1388,7 @@
           <a:p>
             <a:fld id="{241EB5C9-1307-BA42-ABA2-0BC069CD8E7F}" type="datetimeFigureOut">
               <a:rPr lang="en-US" smtClean="0"/>
-              <a:t>11/14/24</a:t>
+              <a:t>1/8/25</a:t>
             </a:fld>
             <a:endParaRPr lang="en-US"/>
           </a:p>
@@ -1633,7 +1633,8 @@
         <p:txBody>
           <a:bodyPr/>
           <a:lstStyle>
-            <a:lvl1pPr>
+            <a:lvl1pPr marL="228600" indent="-228600">
+              <a:tabLst/>
               <a:defRPr sz="2800"/>
             </a:lvl1pPr>
             <a:lvl2pPr>
@@ -1697,7 +1698,7 @@
           <a:p>
             <a:fld id="{241EB5C9-1307-BA42-ABA2-0BC069CD8E7F}" type="datetimeFigureOut">
               <a:rPr lang="en-US" smtClean="0"/>
-              <a:t>11/14/24</a:t>
+              <a:t>1/8/25</a:t>
             </a:fld>
             <a:endParaRPr lang="en-US"/>
           </a:p>
@@ -1958,7 +1959,7 @@
           <a:p>
             <a:fld id="{241EB5C9-1307-BA42-ABA2-0BC069CD8E7F}" type="datetimeFigureOut">
               <a:rPr lang="en-US" smtClean="0"/>
-              <a:t>11/14/24</a:t>
+              <a:t>1/8/25</a:t>
             </a:fld>
             <a:endParaRPr lang="en-US"/>
           </a:p>
@@ -2077,8 +2078,9 @@
         <p:txBody>
           <a:bodyPr/>
           <a:lstStyle>
-            <a:lvl1pPr>
-              <a:defRPr sz="2400"/>
+            <a:lvl1pPr marL="174625" indent="-174625">
+              <a:tabLst/>
+              <a:defRPr sz="2800"/>
             </a:lvl1pPr>
             <a:lvl2pPr>
               <a:defRPr sz="1800"/>
@@ -2161,8 +2163,9 @@
         <p:txBody>
           <a:bodyPr/>
           <a:lstStyle>
-            <a:lvl1pPr>
-              <a:defRPr sz="2400"/>
+            <a:lvl1pPr marL="174625" indent="-174625">
+              <a:tabLst/>
+              <a:defRPr sz="2800"/>
             </a:lvl1pPr>
             <a:lvl2pPr>
               <a:defRPr sz="1800"/>
@@ -2243,7 +2246,7 @@
           <a:p>
             <a:fld id="{241EB5C9-1307-BA42-ABA2-0BC069CD8E7F}" type="datetimeFigureOut">
               <a:rPr lang="en-US" smtClean="0"/>
-              <a:t>11/14/24</a:t>
+              <a:t>1/8/25</a:t>
             </a:fld>
             <a:endParaRPr lang="en-US"/>
           </a:p>
@@ -2662,7 +2665,7 @@
           <a:p>
             <a:fld id="{241EB5C9-1307-BA42-ABA2-0BC069CD8E7F}" type="datetimeFigureOut">
               <a:rPr lang="en-US" smtClean="0"/>
-              <a:t>11/14/24</a:t>
+              <a:t>1/8/25</a:t>
             </a:fld>
             <a:endParaRPr lang="en-US"/>
           </a:p>
@@ -2779,7 +2782,7 @@
           <a:p>
             <a:fld id="{241EB5C9-1307-BA42-ABA2-0BC069CD8E7F}" type="datetimeFigureOut">
               <a:rPr lang="en-US" smtClean="0"/>
-              <a:t>11/14/24</a:t>
+              <a:t>1/8/25</a:t>
             </a:fld>
             <a:endParaRPr lang="en-US"/>
           </a:p>
@@ -2874,7 +2877,7 @@
           <a:p>
             <a:fld id="{241EB5C9-1307-BA42-ABA2-0BC069CD8E7F}" type="datetimeFigureOut">
               <a:rPr lang="en-US" smtClean="0"/>
-              <a:t>11/14/24</a:t>
+              <a:t>1/8/25</a:t>
             </a:fld>
             <a:endParaRPr lang="en-US"/>
           </a:p>
@@ -3149,7 +3152,7 @@
           <a:p>
             <a:fld id="{241EB5C9-1307-BA42-ABA2-0BC069CD8E7F}" type="datetimeFigureOut">
               <a:rPr lang="en-US" smtClean="0"/>
-              <a:t>11/14/24</a:t>
+              <a:t>1/8/25</a:t>
             </a:fld>
             <a:endParaRPr lang="en-US"/>
           </a:p>
@@ -3401,7 +3404,7 @@
           <a:p>
             <a:fld id="{241EB5C9-1307-BA42-ABA2-0BC069CD8E7F}" type="datetimeFigureOut">
               <a:rPr lang="en-US" smtClean="0"/>
-              <a:t>11/14/24</a:t>
+              <a:t>1/8/25</a:t>
             </a:fld>
             <a:endParaRPr lang="en-US"/>
           </a:p>
@@ -3612,7 +3615,7 @@
           <a:p>
             <a:fld id="{241EB5C9-1307-BA42-ABA2-0BC069CD8E7F}" type="datetimeFigureOut">
               <a:rPr lang="en-US" smtClean="0"/>
-              <a:t>11/14/24</a:t>
+              <a:t>1/8/25</a:t>
             </a:fld>
             <a:endParaRPr lang="en-US"/>
           </a:p>
@@ -3968,6 +3971,22 @@
       </a:lvl9pPr>
     </p:otherStyle>
   </p:txStyles>
+  <p:extLst>
+    <p:ext uri="{27BBF7A9-308A-43DC-89C8-2F10F3537804}">
+      <p15:sldGuideLst xmlns:p15="http://schemas.microsoft.com/office/powerpoint/2012/main">
+        <p15:guide id="1" orient="horz" pos="1620" userDrawn="1">
+          <p15:clr>
+            <a:srgbClr val="F26B43"/>
+          </p15:clr>
+        </p15:guide>
+        <p15:guide id="2" pos="2880" userDrawn="1">
+          <p15:clr>
+            <a:srgbClr val="F26B43"/>
+          </p15:clr>
+        </p15:guide>
+      </p15:sldGuideLst>
+    </p:ext>
+  </p:extLst>
 </p:sldMaster>
 </file>
 
@@ -4239,20 +4258,20 @@
             <p:ph sz="half" idx="1"/>
           </p:nvPr>
         </p:nvSpPr>
-        <p:spPr/>
+        <p:spPr>
+          <a:xfrm>
+            <a:off x="253093" y="1200151"/>
+            <a:ext cx="4242707" cy="3394472"/>
+          </a:xfrm>
+        </p:spPr>
         <p:txBody>
           <a:bodyPr/>
           <a:lstStyle/>
           <a:p>
             <a:r>
               <a:rPr lang="en-US" dirty="0"/>
-              <a:t>Some content on </a:t>
-            </a:r>
-            <a:r>
-              <a:rPr lang="en-US"/>
-              <a:t>the left.</a:t>
-            </a:r>
-            <a:endParaRPr lang="en-US" dirty="0"/>
+              <a:t>Some content on the left.</a:t>
+            </a:r>
           </a:p>
           <a:p>
             <a:pPr marL="0" indent="0">
@@ -4272,7 +4291,12 @@
             <p:ph sz="half" idx="2"/>
           </p:nvPr>
         </p:nvSpPr>
-        <p:spPr/>
+        <p:spPr>
+          <a:xfrm>
+            <a:off x="4648200" y="1200151"/>
+            <a:ext cx="4242706" cy="3394472"/>
+          </a:xfrm>
+        </p:spPr>
         <p:txBody>
           <a:bodyPr/>
           <a:lstStyle/>

--- a/template.pptx
+++ b/template.pptx
@@ -211,7 +211,7 @@
           <a:p>
             <a:fld id="{0F9C1CCF-B725-44A7-AA57-5E433BD85C9F}" type="datetimeFigureOut">
               <a:rPr lang="en-US" smtClean="0"/>
-              <a:t>1/8/25</a:t>
+              <a:t>1/11/25</a:t>
             </a:fld>
             <a:endParaRPr lang="en-US"/>
           </a:p>
@@ -864,7 +864,7 @@
           <a:p>
             <a:fld id="{241EB5C9-1307-BA42-ABA2-0BC069CD8E7F}" type="datetimeFigureOut">
               <a:rPr lang="en-US" smtClean="0"/>
-              <a:t>1/8/25</a:t>
+              <a:t>1/11/25</a:t>
             </a:fld>
             <a:endParaRPr lang="en-US"/>
           </a:p>
@@ -1032,7 +1032,7 @@
           <a:p>
             <a:fld id="{241EB5C9-1307-BA42-ABA2-0BC069CD8E7F}" type="datetimeFigureOut">
               <a:rPr lang="en-US" smtClean="0"/>
-              <a:t>1/8/25</a:t>
+              <a:t>1/11/25</a:t>
             </a:fld>
             <a:endParaRPr lang="en-US"/>
           </a:p>
@@ -1210,7 +1210,7 @@
           <a:p>
             <a:fld id="{241EB5C9-1307-BA42-ABA2-0BC069CD8E7F}" type="datetimeFigureOut">
               <a:rPr lang="en-US" smtClean="0"/>
-              <a:t>1/8/25</a:t>
+              <a:t>1/11/25</a:t>
             </a:fld>
             <a:endParaRPr lang="en-US"/>
           </a:p>
@@ -1388,7 +1388,7 @@
           <a:p>
             <a:fld id="{241EB5C9-1307-BA42-ABA2-0BC069CD8E7F}" type="datetimeFigureOut">
               <a:rPr lang="en-US" smtClean="0"/>
-              <a:t>1/8/25</a:t>
+              <a:t>1/11/25</a:t>
             </a:fld>
             <a:endParaRPr lang="en-US"/>
           </a:p>
@@ -1607,7 +1607,12 @@
             <p:ph type="title"/>
           </p:nvPr>
         </p:nvSpPr>
-        <p:spPr/>
+        <p:spPr>
+          <a:xfrm>
+            <a:off x="284309" y="205979"/>
+            <a:ext cx="8552330" cy="857250"/>
+          </a:xfrm>
+        </p:spPr>
         <p:txBody>
           <a:bodyPr/>
           <a:lstStyle/>
@@ -1629,7 +1634,12 @@
             <p:ph idx="1"/>
           </p:nvPr>
         </p:nvSpPr>
-        <p:spPr/>
+        <p:spPr>
+          <a:xfrm>
+            <a:off x="284309" y="1200151"/>
+            <a:ext cx="8552330" cy="3737370"/>
+          </a:xfrm>
+        </p:spPr>
         <p:txBody>
           <a:bodyPr/>
           <a:lstStyle>
@@ -1678,71 +1688,6 @@
               <a:rPr lang="en-US" dirty="0"/>
               <a:t>Fifth level</a:t>
             </a:r>
-          </a:p>
-        </p:txBody>
-      </p:sp>
-      <p:sp>
-        <p:nvSpPr>
-          <p:cNvPr id="4" name="Date Placeholder 3"/>
-          <p:cNvSpPr>
-            <a:spLocks noGrp="1"/>
-          </p:cNvSpPr>
-          <p:nvPr>
-            <p:ph type="dt" sz="half" idx="10"/>
-          </p:nvPr>
-        </p:nvSpPr>
-        <p:spPr/>
-        <p:txBody>
-          <a:bodyPr/>
-          <a:lstStyle/>
-          <a:p>
-            <a:fld id="{241EB5C9-1307-BA42-ABA2-0BC069CD8E7F}" type="datetimeFigureOut">
-              <a:rPr lang="en-US" smtClean="0"/>
-              <a:t>1/8/25</a:t>
-            </a:fld>
-            <a:endParaRPr lang="en-US"/>
-          </a:p>
-        </p:txBody>
-      </p:sp>
-      <p:sp>
-        <p:nvSpPr>
-          <p:cNvPr id="5" name="Footer Placeholder 4"/>
-          <p:cNvSpPr>
-            <a:spLocks noGrp="1"/>
-          </p:cNvSpPr>
-          <p:nvPr>
-            <p:ph type="ftr" sz="quarter" idx="11"/>
-          </p:nvPr>
-        </p:nvSpPr>
-        <p:spPr/>
-        <p:txBody>
-          <a:bodyPr/>
-          <a:lstStyle/>
-          <a:p>
-            <a:endParaRPr lang="en-US"/>
-          </a:p>
-        </p:txBody>
-      </p:sp>
-      <p:sp>
-        <p:nvSpPr>
-          <p:cNvPr id="6" name="Slide Number Placeholder 5"/>
-          <p:cNvSpPr>
-            <a:spLocks noGrp="1"/>
-          </p:cNvSpPr>
-          <p:nvPr>
-            <p:ph type="sldNum" sz="quarter" idx="12"/>
-          </p:nvPr>
-        </p:nvSpPr>
-        <p:spPr/>
-        <p:txBody>
-          <a:bodyPr/>
-          <a:lstStyle/>
-          <a:p>
-            <a:fld id="{C5EF2332-01BF-834F-8236-50238282D533}" type="slidenum">
-              <a:rPr lang="en-US" smtClean="0"/>
-              <a:t>‹#›</a:t>
-            </a:fld>
-            <a:endParaRPr lang="en-US"/>
           </a:p>
         </p:txBody>
       </p:sp>
@@ -1959,7 +1904,7 @@
           <a:p>
             <a:fld id="{241EB5C9-1307-BA42-ABA2-0BC069CD8E7F}" type="datetimeFigureOut">
               <a:rPr lang="en-US" smtClean="0"/>
-              <a:t>1/8/25</a:t>
+              <a:t>1/11/25</a:t>
             </a:fld>
             <a:endParaRPr lang="en-US"/>
           </a:p>
@@ -2047,32 +1992,37 @@
             <p:ph type="title"/>
           </p:nvPr>
         </p:nvSpPr>
-        <p:spPr/>
-        <p:txBody>
-          <a:bodyPr/>
-          <a:lstStyle/>
-          <a:p>
-            <a:r>
-              <a:rPr lang="en-US"/>
-              <a:t>Click to edit Master title style</a:t>
-            </a:r>
-          </a:p>
-        </p:txBody>
-      </p:sp>
-      <p:sp>
-        <p:nvSpPr>
-          <p:cNvPr id="3" name="Content Placeholder 2"/>
-          <p:cNvSpPr>
-            <a:spLocks noGrp="1"/>
-          </p:cNvSpPr>
-          <p:nvPr>
-            <p:ph sz="half" idx="1"/>
-          </p:nvPr>
-        </p:nvSpPr>
         <p:spPr>
           <a:xfrm>
-            <a:off x="457200" y="1200151"/>
-            <a:ext cx="4038600" cy="3394472"/>
+            <a:off x="315045" y="205979"/>
+            <a:ext cx="8529278" cy="857250"/>
+          </a:xfrm>
+        </p:spPr>
+        <p:txBody>
+          <a:bodyPr/>
+          <a:lstStyle/>
+          <a:p>
+            <a:r>
+              <a:rPr lang="en-US"/>
+              <a:t>Click to edit Master title style</a:t>
+            </a:r>
+          </a:p>
+        </p:txBody>
+      </p:sp>
+      <p:sp>
+        <p:nvSpPr>
+          <p:cNvPr id="3" name="Content Placeholder 2"/>
+          <p:cNvSpPr>
+            <a:spLocks noGrp="1"/>
+          </p:cNvSpPr>
+          <p:nvPr>
+            <p:ph sz="half" idx="1"/>
+          </p:nvPr>
+        </p:nvSpPr>
+        <p:spPr>
+          <a:xfrm>
+            <a:off x="315045" y="1200151"/>
+            <a:ext cx="4180755" cy="3737370"/>
           </a:xfrm>
         </p:spPr>
         <p:txBody>
@@ -2156,8 +2106,8 @@
         </p:nvSpPr>
         <p:spPr>
           <a:xfrm>
-            <a:off x="4648200" y="1200151"/>
-            <a:ext cx="4038600" cy="3394472"/>
+            <a:off x="4648199" y="1200151"/>
+            <a:ext cx="4196123" cy="3737370"/>
           </a:xfrm>
         </p:spPr>
         <p:txBody>
@@ -2229,71 +2179,6 @@
           </a:p>
         </p:txBody>
       </p:sp>
-      <p:sp>
-        <p:nvSpPr>
-          <p:cNvPr id="5" name="Date Placeholder 4"/>
-          <p:cNvSpPr>
-            <a:spLocks noGrp="1"/>
-          </p:cNvSpPr>
-          <p:nvPr>
-            <p:ph type="dt" sz="half" idx="10"/>
-          </p:nvPr>
-        </p:nvSpPr>
-        <p:spPr/>
-        <p:txBody>
-          <a:bodyPr/>
-          <a:lstStyle/>
-          <a:p>
-            <a:fld id="{241EB5C9-1307-BA42-ABA2-0BC069CD8E7F}" type="datetimeFigureOut">
-              <a:rPr lang="en-US" smtClean="0"/>
-              <a:t>1/8/25</a:t>
-            </a:fld>
-            <a:endParaRPr lang="en-US"/>
-          </a:p>
-        </p:txBody>
-      </p:sp>
-      <p:sp>
-        <p:nvSpPr>
-          <p:cNvPr id="6" name="Footer Placeholder 5"/>
-          <p:cNvSpPr>
-            <a:spLocks noGrp="1"/>
-          </p:cNvSpPr>
-          <p:nvPr>
-            <p:ph type="ftr" sz="quarter" idx="11"/>
-          </p:nvPr>
-        </p:nvSpPr>
-        <p:spPr/>
-        <p:txBody>
-          <a:bodyPr/>
-          <a:lstStyle/>
-          <a:p>
-            <a:endParaRPr lang="en-US"/>
-          </a:p>
-        </p:txBody>
-      </p:sp>
-      <p:sp>
-        <p:nvSpPr>
-          <p:cNvPr id="7" name="Slide Number Placeholder 6"/>
-          <p:cNvSpPr>
-            <a:spLocks noGrp="1"/>
-          </p:cNvSpPr>
-          <p:nvPr>
-            <p:ph type="sldNum" sz="quarter" idx="12"/>
-          </p:nvPr>
-        </p:nvSpPr>
-        <p:spPr/>
-        <p:txBody>
-          <a:bodyPr/>
-          <a:lstStyle/>
-          <a:p>
-            <a:fld id="{C5EF2332-01BF-834F-8236-50238282D533}" type="slidenum">
-              <a:rPr lang="en-US" smtClean="0"/>
-              <a:t>‹#›</a:t>
-            </a:fld>
-            <a:endParaRPr lang="en-US"/>
-          </a:p>
-        </p:txBody>
-      </p:sp>
     </p:spTree>
     <p:extLst>
       <p:ext uri="{BB962C8B-B14F-4D97-AF65-F5344CB8AC3E}">
@@ -2665,7 +2550,7 @@
           <a:p>
             <a:fld id="{241EB5C9-1307-BA42-ABA2-0BC069CD8E7F}" type="datetimeFigureOut">
               <a:rPr lang="en-US" smtClean="0"/>
-              <a:t>1/8/25</a:t>
+              <a:t>1/11/25</a:t>
             </a:fld>
             <a:endParaRPr lang="en-US"/>
           </a:p>
@@ -2782,7 +2667,7 @@
           <a:p>
             <a:fld id="{241EB5C9-1307-BA42-ABA2-0BC069CD8E7F}" type="datetimeFigureOut">
               <a:rPr lang="en-US" smtClean="0"/>
-              <a:t>1/8/25</a:t>
+              <a:t>1/11/25</a:t>
             </a:fld>
             <a:endParaRPr lang="en-US"/>
           </a:p>
@@ -2877,7 +2762,7 @@
           <a:p>
             <a:fld id="{241EB5C9-1307-BA42-ABA2-0BC069CD8E7F}" type="datetimeFigureOut">
               <a:rPr lang="en-US" smtClean="0"/>
-              <a:t>1/8/25</a:t>
+              <a:t>1/11/25</a:t>
             </a:fld>
             <a:endParaRPr lang="en-US"/>
           </a:p>
@@ -3152,7 +3037,7 @@
           <a:p>
             <a:fld id="{241EB5C9-1307-BA42-ABA2-0BC069CD8E7F}" type="datetimeFigureOut">
               <a:rPr lang="en-US" smtClean="0"/>
-              <a:t>1/8/25</a:t>
+              <a:t>1/11/25</a:t>
             </a:fld>
             <a:endParaRPr lang="en-US"/>
           </a:p>
@@ -3404,7 +3289,7 @@
           <a:p>
             <a:fld id="{241EB5C9-1307-BA42-ABA2-0BC069CD8E7F}" type="datetimeFigureOut">
               <a:rPr lang="en-US" smtClean="0"/>
-              <a:t>1/8/25</a:t>
+              <a:t>1/11/25</a:t>
             </a:fld>
             <a:endParaRPr lang="en-US"/>
           </a:p>
@@ -3615,7 +3500,7 @@
           <a:p>
             <a:fld id="{241EB5C9-1307-BA42-ABA2-0BC069CD8E7F}" type="datetimeFigureOut">
               <a:rPr lang="en-US" smtClean="0"/>
-              <a:t>1/8/25</a:t>
+              <a:t>1/11/25</a:t>
             </a:fld>
             <a:endParaRPr lang="en-US"/>
           </a:p>

--- a/template.pptx
+++ b/template.pptx
@@ -720,10 +720,16 @@
         </p:spPr>
         <p:txBody>
           <a:bodyPr/>
-          <a:lstStyle/>
-          <a:p>
-            <a:r>
-              <a:rPr lang="en-US"/>
+          <a:lstStyle>
+            <a:lvl1pPr>
+              <a:defRPr baseline="0">
+                <a:latin typeface="Lato Semibold" panose="020F0502020204030203" pitchFamily="34" charset="0"/>
+              </a:defRPr>
+            </a:lvl1pPr>
+          </a:lstStyle>
+          <a:p>
+            <a:r>
+              <a:rPr lang="en-US" dirty="0"/>
               <a:t>Click to edit Master title style</a:t>
             </a:r>
           </a:p>
@@ -857,7 +863,15 @@
             <p:ph type="dt" sz="half" idx="10"/>
           </p:nvPr>
         </p:nvSpPr>
-        <p:spPr/>
+        <p:spPr>
+          <a:xfrm>
+            <a:off x="457200" y="4767263"/>
+            <a:ext cx="2133600" cy="273844"/>
+          </a:xfrm>
+          <a:prstGeom prst="rect">
+            <a:avLst/>
+          </a:prstGeom>
+        </p:spPr>
         <p:txBody>
           <a:bodyPr/>
           <a:lstStyle/>
@@ -880,7 +894,15 @@
             <p:ph type="ftr" sz="quarter" idx="11"/>
           </p:nvPr>
         </p:nvSpPr>
-        <p:spPr/>
+        <p:spPr>
+          <a:xfrm>
+            <a:off x="3124200" y="4767263"/>
+            <a:ext cx="2895600" cy="273844"/>
+          </a:xfrm>
+          <a:prstGeom prst="rect">
+            <a:avLst/>
+          </a:prstGeom>
+        </p:spPr>
         <p:txBody>
           <a:bodyPr/>
           <a:lstStyle/>
@@ -899,7 +921,15 @@
             <p:ph type="sldNum" sz="quarter" idx="12"/>
           </p:nvPr>
         </p:nvSpPr>
-        <p:spPr/>
+        <p:spPr>
+          <a:xfrm>
+            <a:off x="6553200" y="4767263"/>
+            <a:ext cx="2133600" cy="273844"/>
+          </a:xfrm>
+          <a:prstGeom prst="rect">
+            <a:avLst/>
+          </a:prstGeom>
+        </p:spPr>
         <p:txBody>
           <a:bodyPr/>
           <a:lstStyle/>
@@ -1025,7 +1055,15 @@
             <p:ph type="dt" sz="half" idx="10"/>
           </p:nvPr>
         </p:nvSpPr>
-        <p:spPr/>
+        <p:spPr>
+          <a:xfrm>
+            <a:off x="457200" y="4767263"/>
+            <a:ext cx="2133600" cy="273844"/>
+          </a:xfrm>
+          <a:prstGeom prst="rect">
+            <a:avLst/>
+          </a:prstGeom>
+        </p:spPr>
         <p:txBody>
           <a:bodyPr/>
           <a:lstStyle/>
@@ -1048,7 +1086,15 @@
             <p:ph type="ftr" sz="quarter" idx="11"/>
           </p:nvPr>
         </p:nvSpPr>
-        <p:spPr/>
+        <p:spPr>
+          <a:xfrm>
+            <a:off x="3124200" y="4767263"/>
+            <a:ext cx="2895600" cy="273844"/>
+          </a:xfrm>
+          <a:prstGeom prst="rect">
+            <a:avLst/>
+          </a:prstGeom>
+        </p:spPr>
         <p:txBody>
           <a:bodyPr/>
           <a:lstStyle/>
@@ -1067,7 +1113,15 @@
             <p:ph type="sldNum" sz="quarter" idx="12"/>
           </p:nvPr>
         </p:nvSpPr>
-        <p:spPr/>
+        <p:spPr>
+          <a:xfrm>
+            <a:off x="6553200" y="4767263"/>
+            <a:ext cx="2133600" cy="273844"/>
+          </a:xfrm>
+          <a:prstGeom prst="rect">
+            <a:avLst/>
+          </a:prstGeom>
+        </p:spPr>
         <p:txBody>
           <a:bodyPr/>
           <a:lstStyle/>
@@ -1203,7 +1257,15 @@
             <p:ph type="dt" sz="half" idx="10"/>
           </p:nvPr>
         </p:nvSpPr>
-        <p:spPr/>
+        <p:spPr>
+          <a:xfrm>
+            <a:off x="457200" y="4767263"/>
+            <a:ext cx="2133600" cy="273844"/>
+          </a:xfrm>
+          <a:prstGeom prst="rect">
+            <a:avLst/>
+          </a:prstGeom>
+        </p:spPr>
         <p:txBody>
           <a:bodyPr/>
           <a:lstStyle/>
@@ -1226,7 +1288,15 @@
             <p:ph type="ftr" sz="quarter" idx="11"/>
           </p:nvPr>
         </p:nvSpPr>
-        <p:spPr/>
+        <p:spPr>
+          <a:xfrm>
+            <a:off x="3124200" y="4767263"/>
+            <a:ext cx="2895600" cy="273844"/>
+          </a:xfrm>
+          <a:prstGeom prst="rect">
+            <a:avLst/>
+          </a:prstGeom>
+        </p:spPr>
         <p:txBody>
           <a:bodyPr/>
           <a:lstStyle/>
@@ -1245,7 +1315,15 @@
             <p:ph type="sldNum" sz="quarter" idx="12"/>
           </p:nvPr>
         </p:nvSpPr>
-        <p:spPr/>
+        <p:spPr>
+          <a:xfrm>
+            <a:off x="6553200" y="4767263"/>
+            <a:ext cx="2133600" cy="273844"/>
+          </a:xfrm>
+          <a:prstGeom prst="rect">
+            <a:avLst/>
+          </a:prstGeom>
+        </p:spPr>
         <p:txBody>
           <a:bodyPr/>
           <a:lstStyle/>
@@ -1381,7 +1459,15 @@
             <p:ph type="dt" sz="half" idx="10"/>
           </p:nvPr>
         </p:nvSpPr>
-        <p:spPr/>
+        <p:spPr>
+          <a:xfrm>
+            <a:off x="457200" y="4767263"/>
+            <a:ext cx="2133600" cy="273844"/>
+          </a:xfrm>
+          <a:prstGeom prst="rect">
+            <a:avLst/>
+          </a:prstGeom>
+        </p:spPr>
         <p:txBody>
           <a:bodyPr/>
           <a:lstStyle/>
@@ -1404,7 +1490,15 @@
             <p:ph type="ftr" sz="quarter" idx="11"/>
           </p:nvPr>
         </p:nvSpPr>
-        <p:spPr/>
+        <p:spPr>
+          <a:xfrm>
+            <a:off x="3124200" y="4767263"/>
+            <a:ext cx="2895600" cy="273844"/>
+          </a:xfrm>
+          <a:prstGeom prst="rect">
+            <a:avLst/>
+          </a:prstGeom>
+        </p:spPr>
         <p:txBody>
           <a:bodyPr/>
           <a:lstStyle/>
@@ -1423,7 +1517,15 @@
             <p:ph type="sldNum" sz="quarter" idx="12"/>
           </p:nvPr>
         </p:nvSpPr>
-        <p:spPr/>
+        <p:spPr>
+          <a:xfrm>
+            <a:off x="6553200" y="4767263"/>
+            <a:ext cx="2133600" cy="273844"/>
+          </a:xfrm>
+          <a:prstGeom prst="rect">
+            <a:avLst/>
+          </a:prstGeom>
+        </p:spPr>
         <p:txBody>
           <a:bodyPr/>
           <a:lstStyle/>
@@ -1610,15 +1712,15 @@
         <p:spPr>
           <a:xfrm>
             <a:off x="284309" y="205979"/>
-            <a:ext cx="8552330" cy="857250"/>
-          </a:xfrm>
-        </p:spPr>
-        <p:txBody>
-          <a:bodyPr/>
-          <a:lstStyle/>
-          <a:p>
-            <a:r>
-              <a:rPr lang="en-US"/>
+            <a:ext cx="8552330" cy="662317"/>
+          </a:xfrm>
+        </p:spPr>
+        <p:txBody>
+          <a:bodyPr/>
+          <a:lstStyle/>
+          <a:p>
+            <a:r>
+              <a:rPr lang="en-US" dirty="0"/>
               <a:t>Click to edit Master title style</a:t>
             </a:r>
           </a:p>
@@ -1636,8 +1738,8 @@
         </p:nvSpPr>
         <p:spPr>
           <a:xfrm>
-            <a:off x="284309" y="1200151"/>
-            <a:ext cx="8552330" cy="3737370"/>
+            <a:off x="284309" y="960504"/>
+            <a:ext cx="8552330" cy="3977017"/>
           </a:xfrm>
         </p:spPr>
         <p:txBody>
@@ -1897,7 +1999,15 @@
             <p:ph type="dt" sz="half" idx="10"/>
           </p:nvPr>
         </p:nvSpPr>
-        <p:spPr/>
+        <p:spPr>
+          <a:xfrm>
+            <a:off x="457200" y="4767263"/>
+            <a:ext cx="2133600" cy="273844"/>
+          </a:xfrm>
+          <a:prstGeom prst="rect">
+            <a:avLst/>
+          </a:prstGeom>
+        </p:spPr>
         <p:txBody>
           <a:bodyPr/>
           <a:lstStyle/>
@@ -1920,7 +2030,15 @@
             <p:ph type="ftr" sz="quarter" idx="11"/>
           </p:nvPr>
         </p:nvSpPr>
-        <p:spPr/>
+        <p:spPr>
+          <a:xfrm>
+            <a:off x="3124200" y="4767263"/>
+            <a:ext cx="2895600" cy="273844"/>
+          </a:xfrm>
+          <a:prstGeom prst="rect">
+            <a:avLst/>
+          </a:prstGeom>
+        </p:spPr>
         <p:txBody>
           <a:bodyPr/>
           <a:lstStyle/>
@@ -1939,7 +2057,15 @@
             <p:ph type="sldNum" sz="quarter" idx="12"/>
           </p:nvPr>
         </p:nvSpPr>
-        <p:spPr/>
+        <p:spPr>
+          <a:xfrm>
+            <a:off x="6553200" y="4767263"/>
+            <a:ext cx="2133600" cy="273844"/>
+          </a:xfrm>
+          <a:prstGeom prst="rect">
+            <a:avLst/>
+          </a:prstGeom>
+        </p:spPr>
         <p:txBody>
           <a:bodyPr/>
           <a:lstStyle/>
@@ -2003,7 +2129,7 @@
           <a:lstStyle/>
           <a:p>
             <a:r>
-              <a:rPr lang="en-US"/>
+              <a:rPr lang="en-US" dirty="0"/>
               <a:t>Click to edit Master title style</a:t>
             </a:r>
           </a:p>
@@ -2030,7 +2156,9 @@
           <a:lstStyle>
             <a:lvl1pPr marL="174625" indent="-174625">
               <a:tabLst/>
-              <a:defRPr sz="2800"/>
+              <a:defRPr sz="2800" baseline="0">
+                <a:latin typeface="Lato Medium" panose="020F0502020204030203" pitchFamily="34" charset="0"/>
+              </a:defRPr>
             </a:lvl1pPr>
             <a:lvl2pPr>
               <a:defRPr sz="1800"/>
@@ -2115,7 +2243,9 @@
           <a:lstStyle>
             <a:lvl1pPr marL="174625" indent="-174625">
               <a:tabLst/>
-              <a:defRPr sz="2800"/>
+              <a:defRPr sz="2800" baseline="0">
+                <a:latin typeface="Lato Medium" panose="020F0502020204030203" pitchFamily="34" charset="0"/>
+              </a:defRPr>
             </a:lvl1pPr>
             <a:lvl2pPr>
               <a:defRPr sz="1800"/>
@@ -2543,7 +2673,15 @@
             <p:ph type="dt" sz="half" idx="10"/>
           </p:nvPr>
         </p:nvSpPr>
-        <p:spPr/>
+        <p:spPr>
+          <a:xfrm>
+            <a:off x="457200" y="4767263"/>
+            <a:ext cx="2133600" cy="273844"/>
+          </a:xfrm>
+          <a:prstGeom prst="rect">
+            <a:avLst/>
+          </a:prstGeom>
+        </p:spPr>
         <p:txBody>
           <a:bodyPr/>
           <a:lstStyle/>
@@ -2566,7 +2704,15 @@
             <p:ph type="ftr" sz="quarter" idx="11"/>
           </p:nvPr>
         </p:nvSpPr>
-        <p:spPr/>
+        <p:spPr>
+          <a:xfrm>
+            <a:off x="3124200" y="4767263"/>
+            <a:ext cx="2895600" cy="273844"/>
+          </a:xfrm>
+          <a:prstGeom prst="rect">
+            <a:avLst/>
+          </a:prstGeom>
+        </p:spPr>
         <p:txBody>
           <a:bodyPr/>
           <a:lstStyle/>
@@ -2585,7 +2731,15 @@
             <p:ph type="sldNum" sz="quarter" idx="12"/>
           </p:nvPr>
         </p:nvSpPr>
-        <p:spPr/>
+        <p:spPr>
+          <a:xfrm>
+            <a:off x="6553200" y="4767263"/>
+            <a:ext cx="2133600" cy="273844"/>
+          </a:xfrm>
+          <a:prstGeom prst="rect">
+            <a:avLst/>
+          </a:prstGeom>
+        </p:spPr>
         <p:txBody>
           <a:bodyPr/>
           <a:lstStyle/>
@@ -2641,10 +2795,16 @@
         <p:spPr/>
         <p:txBody>
           <a:bodyPr/>
-          <a:lstStyle/>
-          <a:p>
-            <a:r>
-              <a:rPr lang="en-US"/>
+          <a:lstStyle>
+            <a:lvl1pPr>
+              <a:defRPr baseline="0">
+                <a:latin typeface="Lato Semibold" panose="020F0502020204030203" pitchFamily="34" charset="0"/>
+              </a:defRPr>
+            </a:lvl1pPr>
+          </a:lstStyle>
+          <a:p>
+            <a:r>
+              <a:rPr lang="en-US" dirty="0"/>
               <a:t>Click to edit Master title style</a:t>
             </a:r>
           </a:p>
@@ -2660,7 +2820,15 @@
             <p:ph type="dt" sz="half" idx="10"/>
           </p:nvPr>
         </p:nvSpPr>
-        <p:spPr/>
+        <p:spPr>
+          <a:xfrm>
+            <a:off x="457200" y="4767263"/>
+            <a:ext cx="2133600" cy="273844"/>
+          </a:xfrm>
+          <a:prstGeom prst="rect">
+            <a:avLst/>
+          </a:prstGeom>
+        </p:spPr>
         <p:txBody>
           <a:bodyPr/>
           <a:lstStyle/>
@@ -2683,7 +2851,15 @@
             <p:ph type="ftr" sz="quarter" idx="11"/>
           </p:nvPr>
         </p:nvSpPr>
-        <p:spPr/>
+        <p:spPr>
+          <a:xfrm>
+            <a:off x="3124200" y="4767263"/>
+            <a:ext cx="2895600" cy="273844"/>
+          </a:xfrm>
+          <a:prstGeom prst="rect">
+            <a:avLst/>
+          </a:prstGeom>
+        </p:spPr>
         <p:txBody>
           <a:bodyPr/>
           <a:lstStyle/>
@@ -2702,7 +2878,15 @@
             <p:ph type="sldNum" sz="quarter" idx="12"/>
           </p:nvPr>
         </p:nvSpPr>
-        <p:spPr/>
+        <p:spPr>
+          <a:xfrm>
+            <a:off x="6553200" y="4767263"/>
+            <a:ext cx="2133600" cy="273844"/>
+          </a:xfrm>
+          <a:prstGeom prst="rect">
+            <a:avLst/>
+          </a:prstGeom>
+        </p:spPr>
         <p:txBody>
           <a:bodyPr/>
           <a:lstStyle/>
@@ -2755,7 +2939,15 @@
             <p:ph type="dt" sz="half" idx="10"/>
           </p:nvPr>
         </p:nvSpPr>
-        <p:spPr/>
+        <p:spPr>
+          <a:xfrm>
+            <a:off x="457200" y="4767263"/>
+            <a:ext cx="2133600" cy="273844"/>
+          </a:xfrm>
+          <a:prstGeom prst="rect">
+            <a:avLst/>
+          </a:prstGeom>
+        </p:spPr>
         <p:txBody>
           <a:bodyPr/>
           <a:lstStyle/>
@@ -2778,7 +2970,15 @@
             <p:ph type="ftr" sz="quarter" idx="11"/>
           </p:nvPr>
         </p:nvSpPr>
-        <p:spPr/>
+        <p:spPr>
+          <a:xfrm>
+            <a:off x="3124200" y="4767263"/>
+            <a:ext cx="2895600" cy="273844"/>
+          </a:xfrm>
+          <a:prstGeom prst="rect">
+            <a:avLst/>
+          </a:prstGeom>
+        </p:spPr>
         <p:txBody>
           <a:bodyPr/>
           <a:lstStyle/>
@@ -2797,7 +2997,15 @@
             <p:ph type="sldNum" sz="quarter" idx="12"/>
           </p:nvPr>
         </p:nvSpPr>
-        <p:spPr/>
+        <p:spPr>
+          <a:xfrm>
+            <a:off x="6553200" y="4767263"/>
+            <a:ext cx="2133600" cy="273844"/>
+          </a:xfrm>
+          <a:prstGeom prst="rect">
+            <a:avLst/>
+          </a:prstGeom>
+        </p:spPr>
         <p:txBody>
           <a:bodyPr/>
           <a:lstStyle/>
@@ -3030,7 +3238,15 @@
             <p:ph type="dt" sz="half" idx="10"/>
           </p:nvPr>
         </p:nvSpPr>
-        <p:spPr/>
+        <p:spPr>
+          <a:xfrm>
+            <a:off x="457200" y="4767263"/>
+            <a:ext cx="2133600" cy="273844"/>
+          </a:xfrm>
+          <a:prstGeom prst="rect">
+            <a:avLst/>
+          </a:prstGeom>
+        </p:spPr>
         <p:txBody>
           <a:bodyPr/>
           <a:lstStyle/>
@@ -3053,7 +3269,15 @@
             <p:ph type="ftr" sz="quarter" idx="11"/>
           </p:nvPr>
         </p:nvSpPr>
-        <p:spPr/>
+        <p:spPr>
+          <a:xfrm>
+            <a:off x="3124200" y="4767263"/>
+            <a:ext cx="2895600" cy="273844"/>
+          </a:xfrm>
+          <a:prstGeom prst="rect">
+            <a:avLst/>
+          </a:prstGeom>
+        </p:spPr>
         <p:txBody>
           <a:bodyPr/>
           <a:lstStyle/>
@@ -3072,7 +3296,15 @@
             <p:ph type="sldNum" sz="quarter" idx="12"/>
           </p:nvPr>
         </p:nvSpPr>
-        <p:spPr/>
+        <p:spPr>
+          <a:xfrm>
+            <a:off x="6553200" y="4767263"/>
+            <a:ext cx="2133600" cy="273844"/>
+          </a:xfrm>
+          <a:prstGeom prst="rect">
+            <a:avLst/>
+          </a:prstGeom>
+        </p:spPr>
         <p:txBody>
           <a:bodyPr/>
           <a:lstStyle/>
@@ -3282,7 +3514,15 @@
             <p:ph type="dt" sz="half" idx="10"/>
           </p:nvPr>
         </p:nvSpPr>
-        <p:spPr/>
+        <p:spPr>
+          <a:xfrm>
+            <a:off x="457200" y="4767263"/>
+            <a:ext cx="2133600" cy="273844"/>
+          </a:xfrm>
+          <a:prstGeom prst="rect">
+            <a:avLst/>
+          </a:prstGeom>
+        </p:spPr>
         <p:txBody>
           <a:bodyPr/>
           <a:lstStyle/>
@@ -3305,7 +3545,15 @@
             <p:ph type="ftr" sz="quarter" idx="11"/>
           </p:nvPr>
         </p:nvSpPr>
-        <p:spPr/>
+        <p:spPr>
+          <a:xfrm>
+            <a:off x="3124200" y="4767263"/>
+            <a:ext cx="2895600" cy="273844"/>
+          </a:xfrm>
+          <a:prstGeom prst="rect">
+            <a:avLst/>
+          </a:prstGeom>
+        </p:spPr>
         <p:txBody>
           <a:bodyPr/>
           <a:lstStyle/>
@@ -3324,7 +3572,15 @@
             <p:ph type="sldNum" sz="quarter" idx="12"/>
           </p:nvPr>
         </p:nvSpPr>
-        <p:spPr/>
+        <p:spPr>
+          <a:xfrm>
+            <a:off x="6553200" y="4767263"/>
+            <a:ext cx="2133600" cy="273844"/>
+          </a:xfrm>
+          <a:prstGeom prst="rect">
+            <a:avLst/>
+          </a:prstGeom>
+        </p:spPr>
         <p:txBody>
           <a:bodyPr/>
           <a:lstStyle/>
@@ -3385,7 +3641,7 @@
         <p:spPr>
           <a:xfrm>
             <a:off x="457200" y="205979"/>
-            <a:ext cx="8229600" cy="857250"/>
+            <a:ext cx="8229600" cy="716105"/>
           </a:xfrm>
           <a:prstGeom prst="rect">
             <a:avLst/>
@@ -3398,7 +3654,7 @@
           <a:lstStyle/>
           <a:p>
             <a:r>
-              <a:rPr lang="en-US"/>
+              <a:rPr lang="en-US" dirty="0"/>
               <a:t>Click to edit Master title style</a:t>
             </a:r>
           </a:p>
@@ -3416,8 +3672,8 @@
         </p:nvSpPr>
         <p:spPr>
           <a:xfrm>
-            <a:off x="457200" y="1200151"/>
-            <a:ext cx="8229600" cy="3394472"/>
+            <a:off x="457200" y="998924"/>
+            <a:ext cx="8229600" cy="3938597"/>
           </a:xfrm>
           <a:prstGeom prst="rect">
             <a:avLst/>
@@ -3431,156 +3687,37 @@
           <a:p>
             <a:pPr lvl="0"/>
             <a:r>
-              <a:rPr lang="en-US"/>
+              <a:rPr lang="en-US" dirty="0"/>
               <a:t>Click to edit Master text styles</a:t>
             </a:r>
           </a:p>
           <a:p>
             <a:pPr lvl="1"/>
             <a:r>
-              <a:rPr lang="en-US"/>
+              <a:rPr lang="en-US" dirty="0"/>
               <a:t>Second level</a:t>
             </a:r>
           </a:p>
           <a:p>
             <a:pPr lvl="2"/>
             <a:r>
-              <a:rPr lang="en-US"/>
+              <a:rPr lang="en-US" dirty="0"/>
               <a:t>Third level</a:t>
             </a:r>
           </a:p>
           <a:p>
             <a:pPr lvl="3"/>
             <a:r>
-              <a:rPr lang="en-US"/>
+              <a:rPr lang="en-US" dirty="0"/>
               <a:t>Fourth level</a:t>
             </a:r>
           </a:p>
           <a:p>
             <a:pPr lvl="4"/>
             <a:r>
-              <a:rPr lang="en-US"/>
+              <a:rPr lang="en-US" dirty="0"/>
               <a:t>Fifth level</a:t>
             </a:r>
-          </a:p>
-        </p:txBody>
-      </p:sp>
-      <p:sp>
-        <p:nvSpPr>
-          <p:cNvPr id="4" name="Date Placeholder 3"/>
-          <p:cNvSpPr>
-            <a:spLocks noGrp="1"/>
-          </p:cNvSpPr>
-          <p:nvPr>
-            <p:ph type="dt" sz="half" idx="2"/>
-          </p:nvPr>
-        </p:nvSpPr>
-        <p:spPr>
-          <a:xfrm>
-            <a:off x="457200" y="4767263"/>
-            <a:ext cx="2133600" cy="273844"/>
-          </a:xfrm>
-          <a:prstGeom prst="rect">
-            <a:avLst/>
-          </a:prstGeom>
-        </p:spPr>
-        <p:txBody>
-          <a:bodyPr vert="horz" lIns="91440" tIns="45720" rIns="91440" bIns="45720" rtlCol="0" anchor="ctr"/>
-          <a:lstStyle>
-            <a:lvl1pPr algn="l">
-              <a:defRPr sz="900">
-                <a:solidFill>
-                  <a:schemeClr val="tx1">
-                    <a:tint val="75000"/>
-                  </a:schemeClr>
-                </a:solidFill>
-              </a:defRPr>
-            </a:lvl1pPr>
-          </a:lstStyle>
-          <a:p>
-            <a:fld id="{241EB5C9-1307-BA42-ABA2-0BC069CD8E7F}" type="datetimeFigureOut">
-              <a:rPr lang="en-US" smtClean="0"/>
-              <a:t>1/11/25</a:t>
-            </a:fld>
-            <a:endParaRPr lang="en-US"/>
-          </a:p>
-        </p:txBody>
-      </p:sp>
-      <p:sp>
-        <p:nvSpPr>
-          <p:cNvPr id="5" name="Footer Placeholder 4"/>
-          <p:cNvSpPr>
-            <a:spLocks noGrp="1"/>
-          </p:cNvSpPr>
-          <p:nvPr>
-            <p:ph type="ftr" sz="quarter" idx="3"/>
-          </p:nvPr>
-        </p:nvSpPr>
-        <p:spPr>
-          <a:xfrm>
-            <a:off x="3124200" y="4767263"/>
-            <a:ext cx="2895600" cy="273844"/>
-          </a:xfrm>
-          <a:prstGeom prst="rect">
-            <a:avLst/>
-          </a:prstGeom>
-        </p:spPr>
-        <p:txBody>
-          <a:bodyPr vert="horz" lIns="91440" tIns="45720" rIns="91440" bIns="45720" rtlCol="0" anchor="ctr"/>
-          <a:lstStyle>
-            <a:lvl1pPr algn="ctr">
-              <a:defRPr sz="900">
-                <a:solidFill>
-                  <a:schemeClr val="tx1">
-                    <a:tint val="75000"/>
-                  </a:schemeClr>
-                </a:solidFill>
-              </a:defRPr>
-            </a:lvl1pPr>
-          </a:lstStyle>
-          <a:p>
-            <a:endParaRPr lang="en-US"/>
-          </a:p>
-        </p:txBody>
-      </p:sp>
-      <p:sp>
-        <p:nvSpPr>
-          <p:cNvPr id="6" name="Slide Number Placeholder 5"/>
-          <p:cNvSpPr>
-            <a:spLocks noGrp="1"/>
-          </p:cNvSpPr>
-          <p:nvPr>
-            <p:ph type="sldNum" sz="quarter" idx="4"/>
-          </p:nvPr>
-        </p:nvSpPr>
-        <p:spPr>
-          <a:xfrm>
-            <a:off x="6553200" y="4767263"/>
-            <a:ext cx="2133600" cy="273844"/>
-          </a:xfrm>
-          <a:prstGeom prst="rect">
-            <a:avLst/>
-          </a:prstGeom>
-        </p:spPr>
-        <p:txBody>
-          <a:bodyPr vert="horz" lIns="91440" tIns="45720" rIns="91440" bIns="45720" rtlCol="0" anchor="ctr"/>
-          <a:lstStyle>
-            <a:lvl1pPr algn="r">
-              <a:defRPr sz="900">
-                <a:solidFill>
-                  <a:schemeClr val="tx1">
-                    <a:tint val="75000"/>
-                  </a:schemeClr>
-                </a:solidFill>
-              </a:defRPr>
-            </a:lvl1pPr>
-          </a:lstStyle>
-          <a:p>
-            <a:fld id="{C5EF2332-01BF-834F-8236-50238282D533}" type="slidenum">
-              <a:rPr lang="en-US" smtClean="0"/>
-              <a:t>‹#›</a:t>
-            </a:fld>
-            <a:endParaRPr lang="en-US"/>
           </a:p>
         </p:txBody>
       </p:sp>
@@ -3613,11 +3750,11 @@
           <a:spcPct val="0"/>
         </a:spcBef>
         <a:buNone/>
-        <a:defRPr sz="3300" kern="1200">
+        <a:defRPr sz="3300" kern="1200" baseline="0">
           <a:solidFill>
             <a:schemeClr val="tx1"/>
           </a:solidFill>
-          <a:latin typeface="+mj-lt"/>
+          <a:latin typeface="Lato Semibold" panose="020F0502020204030203" pitchFamily="34" charset="0"/>
           <a:ea typeface="+mj-ea"/>
           <a:cs typeface="+mj-cs"/>
         </a:defRPr>
@@ -3630,11 +3767,11 @@
         </a:spcBef>
         <a:buFont typeface="Arial"/>
         <a:buChar char="•"/>
-        <a:defRPr sz="2400" kern="1200">
+        <a:defRPr sz="2400" kern="1200" baseline="0">
           <a:solidFill>
             <a:schemeClr val="tx1"/>
           </a:solidFill>
-          <a:latin typeface="+mn-lt"/>
+          <a:latin typeface="Lato Medium" panose="020F0502020204030203" pitchFamily="34" charset="0"/>
           <a:ea typeface="+mn-ea"/>
           <a:cs typeface="+mn-cs"/>
         </a:defRPr>
@@ -3645,11 +3782,11 @@
         </a:spcBef>
         <a:buFont typeface="Arial"/>
         <a:buChar char="–"/>
-        <a:defRPr sz="2100" kern="1200">
+        <a:defRPr sz="2100" kern="1200" baseline="0">
           <a:solidFill>
             <a:schemeClr val="tx1"/>
           </a:solidFill>
-          <a:latin typeface="+mn-lt"/>
+          <a:latin typeface="Lato Medium" panose="020F0502020204030203" pitchFamily="34" charset="0"/>
           <a:ea typeface="+mn-ea"/>
           <a:cs typeface="+mn-cs"/>
         </a:defRPr>

--- a/template.pptx
+++ b/template.pptx
@@ -211,7 +211,7 @@
           <a:p>
             <a:fld id="{0F9C1CCF-B725-44A7-AA57-5E433BD85C9F}" type="datetimeFigureOut">
               <a:rPr lang="en-US" smtClean="0"/>
-              <a:t>1/11/25</a:t>
+              <a:t>2/24/25</a:t>
             </a:fld>
             <a:endParaRPr lang="en-US"/>
           </a:p>
@@ -878,7 +878,7 @@
           <a:p>
             <a:fld id="{241EB5C9-1307-BA42-ABA2-0BC069CD8E7F}" type="datetimeFigureOut">
               <a:rPr lang="en-US" smtClean="0"/>
-              <a:t>1/11/25</a:t>
+              <a:t>2/24/25</a:t>
             </a:fld>
             <a:endParaRPr lang="en-US"/>
           </a:p>
@@ -1070,7 +1070,7 @@
           <a:p>
             <a:fld id="{241EB5C9-1307-BA42-ABA2-0BC069CD8E7F}" type="datetimeFigureOut">
               <a:rPr lang="en-US" smtClean="0"/>
-              <a:t>1/11/25</a:t>
+              <a:t>2/24/25</a:t>
             </a:fld>
             <a:endParaRPr lang="en-US"/>
           </a:p>
@@ -1272,7 +1272,7 @@
           <a:p>
             <a:fld id="{241EB5C9-1307-BA42-ABA2-0BC069CD8E7F}" type="datetimeFigureOut">
               <a:rPr lang="en-US" smtClean="0"/>
-              <a:t>1/11/25</a:t>
+              <a:t>2/24/25</a:t>
             </a:fld>
             <a:endParaRPr lang="en-US"/>
           </a:p>
@@ -1474,7 +1474,7 @@
           <a:p>
             <a:fld id="{241EB5C9-1307-BA42-ABA2-0BC069CD8E7F}" type="datetimeFigureOut">
               <a:rPr lang="en-US" smtClean="0"/>
-              <a:t>1/11/25</a:t>
+              <a:t>2/24/25</a:t>
             </a:fld>
             <a:endParaRPr lang="en-US"/>
           </a:p>
@@ -2014,7 +2014,7 @@
           <a:p>
             <a:fld id="{241EB5C9-1307-BA42-ABA2-0BC069CD8E7F}" type="datetimeFigureOut">
               <a:rPr lang="en-US" smtClean="0"/>
-              <a:t>1/11/25</a:t>
+              <a:t>2/24/25</a:t>
             </a:fld>
             <a:endParaRPr lang="en-US"/>
           </a:p>
@@ -2688,7 +2688,7 @@
           <a:p>
             <a:fld id="{241EB5C9-1307-BA42-ABA2-0BC069CD8E7F}" type="datetimeFigureOut">
               <a:rPr lang="en-US" smtClean="0"/>
-              <a:t>1/11/25</a:t>
+              <a:t>2/24/25</a:t>
             </a:fld>
             <a:endParaRPr lang="en-US"/>
           </a:p>
@@ -2835,7 +2835,7 @@
           <a:p>
             <a:fld id="{241EB5C9-1307-BA42-ABA2-0BC069CD8E7F}" type="datetimeFigureOut">
               <a:rPr lang="en-US" smtClean="0"/>
-              <a:t>1/11/25</a:t>
+              <a:t>2/24/25</a:t>
             </a:fld>
             <a:endParaRPr lang="en-US"/>
           </a:p>
@@ -2954,7 +2954,7 @@
           <a:p>
             <a:fld id="{241EB5C9-1307-BA42-ABA2-0BC069CD8E7F}" type="datetimeFigureOut">
               <a:rPr lang="en-US" smtClean="0"/>
-              <a:t>1/11/25</a:t>
+              <a:t>2/24/25</a:t>
             </a:fld>
             <a:endParaRPr lang="en-US"/>
           </a:p>
@@ -3253,7 +3253,7 @@
           <a:p>
             <a:fld id="{241EB5C9-1307-BA42-ABA2-0BC069CD8E7F}" type="datetimeFigureOut">
               <a:rPr lang="en-US" smtClean="0"/>
-              <a:t>1/11/25</a:t>
+              <a:t>2/24/25</a:t>
             </a:fld>
             <a:endParaRPr lang="en-US"/>
           </a:p>
@@ -3529,7 +3529,7 @@
           <a:p>
             <a:fld id="{241EB5C9-1307-BA42-ABA2-0BC069CD8E7F}" type="datetimeFigureOut">
               <a:rPr lang="en-US" smtClean="0"/>
-              <a:t>1/11/25</a:t>
+              <a:t>2/24/25</a:t>
             </a:fld>
             <a:endParaRPr lang="en-US"/>
           </a:p>
@@ -3782,7 +3782,7 @@
         </a:spcBef>
         <a:buFont typeface="Arial"/>
         <a:buChar char="–"/>
-        <a:defRPr sz="2100" kern="1200" baseline="0">
+        <a:defRPr sz="2400" kern="1200" baseline="0">
           <a:solidFill>
             <a:schemeClr val="tx1"/>
           </a:solidFill>
@@ -3797,7 +3797,7 @@
         </a:spcBef>
         <a:buFont typeface="Arial"/>
         <a:buChar char="•"/>
-        <a:defRPr sz="1800" kern="1200">
+        <a:defRPr sz="2400" kern="1200">
           <a:solidFill>
             <a:schemeClr val="tx1"/>
           </a:solidFill>
@@ -3812,7 +3812,7 @@
         </a:spcBef>
         <a:buFont typeface="Arial"/>
         <a:buChar char="–"/>
-        <a:defRPr sz="1500" kern="1200">
+        <a:defRPr sz="2400" kern="1200">
           <a:solidFill>
             <a:schemeClr val="tx1"/>
           </a:solidFill>

--- a/template.pptx
+++ b/template.pptx
@@ -3780,8 +3780,8 @@
         <a:spcBef>
           <a:spcPct val="20000"/>
         </a:spcBef>
-        <a:buFont typeface="Arial"/>
-        <a:buChar char="–"/>
+        <a:buFont typeface="Arial" panose="020B0604020202020204" pitchFamily="34" charset="0"/>
+        <a:buChar char="•"/>
         <a:defRPr sz="2400" kern="1200" baseline="0">
           <a:solidFill>
             <a:schemeClr val="tx1"/>
